--- a/diagrams/revisionControl/drcsVsCrcs/drcsDiagram.pptx
+++ b/diagrams/revisionControl/drcsVsCrcs/drcsDiagram.pptx
@@ -104,6 +104,22 @@
       </a:defRPr>
     </a:lvl9pPr>
   </p:defaultTextStyle>
+  <p:extLst>
+    <p:ext uri="{EFAFB233-063F-42B5-8137-9DF3F51BA10A}">
+      <p15:sldGuideLst xmlns:p15="http://schemas.microsoft.com/office/powerpoint/2012/main">
+        <p15:guide id="1" orient="horz" pos="2160">
+          <p15:clr>
+            <a:srgbClr val="A4A3A4"/>
+          </p15:clr>
+        </p15:guide>
+        <p15:guide id="2" pos="2880">
+          <p15:clr>
+            <a:srgbClr val="A4A3A4"/>
+          </p15:clr>
+        </p15:guide>
+      </p15:sldGuideLst>
+    </p:ext>
+  </p:extLst>
 </p:presentation>
 </file>
 
@@ -145,7 +161,7 @@
           <a:lstStyle/>
           <a:p>
             <a:r>
-              <a:rPr lang="en-US" smtClean="0"/>
+              <a:rPr lang="en-US"/>
               <a:t>Click to edit Master title style</a:t>
             </a:r>
             <a:endParaRPr lang="en-SG"/>
@@ -264,7 +280,7 @@
           </a:lstStyle>
           <a:p>
             <a:r>
-              <a:rPr lang="en-US" smtClean="0"/>
+              <a:rPr lang="en-US"/>
               <a:t>Click to edit Master subtitle style</a:t>
             </a:r>
             <a:endParaRPr lang="en-SG"/>
@@ -288,7 +304,7 @@
           <a:p>
             <a:fld id="{A8886CD7-4058-4E48-B9C4-9EA782D336AA}" type="datetimeFigureOut">
               <a:rPr lang="en-SG" smtClean="0"/>
-              <a:t>14/7/2017</a:t>
+              <a:t>29/7/2024</a:t>
             </a:fld>
             <a:endParaRPr lang="en-SG"/>
           </a:p>
@@ -382,7 +398,7 @@
           <a:lstStyle/>
           <a:p>
             <a:r>
-              <a:rPr lang="en-US" smtClean="0"/>
+              <a:rPr lang="en-US"/>
               <a:t>Click to edit Master title style</a:t>
             </a:r>
             <a:endParaRPr lang="en-SG"/>
@@ -406,35 +422,35 @@
           <a:p>
             <a:pPr lvl="0"/>
             <a:r>
-              <a:rPr lang="en-US" smtClean="0"/>
+              <a:rPr lang="en-US"/>
               <a:t>Click to edit Master text styles</a:t>
             </a:r>
           </a:p>
           <a:p>
             <a:pPr lvl="1"/>
             <a:r>
-              <a:rPr lang="en-US" smtClean="0"/>
+              <a:rPr lang="en-US"/>
               <a:t>Second level</a:t>
             </a:r>
           </a:p>
           <a:p>
             <a:pPr lvl="2"/>
             <a:r>
-              <a:rPr lang="en-US" smtClean="0"/>
+              <a:rPr lang="en-US"/>
               <a:t>Third level</a:t>
             </a:r>
           </a:p>
           <a:p>
             <a:pPr lvl="3"/>
             <a:r>
-              <a:rPr lang="en-US" smtClean="0"/>
+              <a:rPr lang="en-US"/>
               <a:t>Fourth level</a:t>
             </a:r>
           </a:p>
           <a:p>
             <a:pPr lvl="4"/>
             <a:r>
-              <a:rPr lang="en-US" smtClean="0"/>
+              <a:rPr lang="en-US"/>
               <a:t>Fifth level</a:t>
             </a:r>
             <a:endParaRPr lang="en-SG"/>
@@ -458,7 +474,7 @@
           <a:p>
             <a:fld id="{A8886CD7-4058-4E48-B9C4-9EA782D336AA}" type="datetimeFigureOut">
               <a:rPr lang="en-SG" smtClean="0"/>
-              <a:t>14/7/2017</a:t>
+              <a:t>29/7/2024</a:t>
             </a:fld>
             <a:endParaRPr lang="en-SG"/>
           </a:p>
@@ -557,7 +573,7 @@
           <a:lstStyle/>
           <a:p>
             <a:r>
-              <a:rPr lang="en-US" smtClean="0"/>
+              <a:rPr lang="en-US"/>
               <a:t>Click to edit Master title style</a:t>
             </a:r>
             <a:endParaRPr lang="en-SG"/>
@@ -586,35 +602,35 @@
           <a:p>
             <a:pPr lvl="0"/>
             <a:r>
-              <a:rPr lang="en-US" smtClean="0"/>
+              <a:rPr lang="en-US"/>
               <a:t>Click to edit Master text styles</a:t>
             </a:r>
           </a:p>
           <a:p>
             <a:pPr lvl="1"/>
             <a:r>
-              <a:rPr lang="en-US" smtClean="0"/>
+              <a:rPr lang="en-US"/>
               <a:t>Second level</a:t>
             </a:r>
           </a:p>
           <a:p>
             <a:pPr lvl="2"/>
             <a:r>
-              <a:rPr lang="en-US" smtClean="0"/>
+              <a:rPr lang="en-US"/>
               <a:t>Third level</a:t>
             </a:r>
           </a:p>
           <a:p>
             <a:pPr lvl="3"/>
             <a:r>
-              <a:rPr lang="en-US" smtClean="0"/>
+              <a:rPr lang="en-US"/>
               <a:t>Fourth level</a:t>
             </a:r>
           </a:p>
           <a:p>
             <a:pPr lvl="4"/>
             <a:r>
-              <a:rPr lang="en-US" smtClean="0"/>
+              <a:rPr lang="en-US"/>
               <a:t>Fifth level</a:t>
             </a:r>
             <a:endParaRPr lang="en-SG"/>
@@ -638,7 +654,7 @@
           <a:p>
             <a:fld id="{A8886CD7-4058-4E48-B9C4-9EA782D336AA}" type="datetimeFigureOut">
               <a:rPr lang="en-SG" smtClean="0"/>
-              <a:t>14/7/2017</a:t>
+              <a:t>29/7/2024</a:t>
             </a:fld>
             <a:endParaRPr lang="en-SG"/>
           </a:p>
@@ -732,7 +748,7 @@
           <a:lstStyle/>
           <a:p>
             <a:r>
-              <a:rPr lang="en-US" smtClean="0"/>
+              <a:rPr lang="en-US"/>
               <a:t>Click to edit Master title style</a:t>
             </a:r>
             <a:endParaRPr lang="en-SG"/>
@@ -756,35 +772,35 @@
           <a:p>
             <a:pPr lvl="0"/>
             <a:r>
-              <a:rPr lang="en-US" smtClean="0"/>
+              <a:rPr lang="en-US"/>
               <a:t>Click to edit Master text styles</a:t>
             </a:r>
           </a:p>
           <a:p>
             <a:pPr lvl="1"/>
             <a:r>
-              <a:rPr lang="en-US" smtClean="0"/>
+              <a:rPr lang="en-US"/>
               <a:t>Second level</a:t>
             </a:r>
           </a:p>
           <a:p>
             <a:pPr lvl="2"/>
             <a:r>
-              <a:rPr lang="en-US" smtClean="0"/>
+              <a:rPr lang="en-US"/>
               <a:t>Third level</a:t>
             </a:r>
           </a:p>
           <a:p>
             <a:pPr lvl="3"/>
             <a:r>
-              <a:rPr lang="en-US" smtClean="0"/>
+              <a:rPr lang="en-US"/>
               <a:t>Fourth level</a:t>
             </a:r>
           </a:p>
           <a:p>
             <a:pPr lvl="4"/>
             <a:r>
-              <a:rPr lang="en-US" smtClean="0"/>
+              <a:rPr lang="en-US"/>
               <a:t>Fifth level</a:t>
             </a:r>
             <a:endParaRPr lang="en-SG"/>
@@ -808,7 +824,7 @@
           <a:p>
             <a:fld id="{A8886CD7-4058-4E48-B9C4-9EA782D336AA}" type="datetimeFigureOut">
               <a:rPr lang="en-SG" smtClean="0"/>
-              <a:t>14/7/2017</a:t>
+              <a:t>29/7/2024</a:t>
             </a:fld>
             <a:endParaRPr lang="en-SG"/>
           </a:p>
@@ -911,7 +927,7 @@
           </a:lstStyle>
           <a:p>
             <a:r>
-              <a:rPr lang="en-US" smtClean="0"/>
+              <a:rPr lang="en-US"/>
               <a:t>Click to edit Master title style</a:t>
             </a:r>
             <a:endParaRPr lang="en-SG"/>
@@ -1031,7 +1047,7 @@
           <a:p>
             <a:pPr lvl="0"/>
             <a:r>
-              <a:rPr lang="en-US" smtClean="0"/>
+              <a:rPr lang="en-US"/>
               <a:t>Click to edit Master text styles</a:t>
             </a:r>
           </a:p>
@@ -1054,7 +1070,7 @@
           <a:p>
             <a:fld id="{A8886CD7-4058-4E48-B9C4-9EA782D336AA}" type="datetimeFigureOut">
               <a:rPr lang="en-SG" smtClean="0"/>
-              <a:t>14/7/2017</a:t>
+              <a:t>29/7/2024</a:t>
             </a:fld>
             <a:endParaRPr lang="en-SG"/>
           </a:p>
@@ -1148,7 +1164,7 @@
           <a:lstStyle/>
           <a:p>
             <a:r>
-              <a:rPr lang="en-US" smtClean="0"/>
+              <a:rPr lang="en-US"/>
               <a:t>Click to edit Master title style</a:t>
             </a:r>
             <a:endParaRPr lang="en-SG"/>
@@ -1205,35 +1221,35 @@
           <a:p>
             <a:pPr lvl="0"/>
             <a:r>
-              <a:rPr lang="en-US" smtClean="0"/>
+              <a:rPr lang="en-US"/>
               <a:t>Click to edit Master text styles</a:t>
             </a:r>
           </a:p>
           <a:p>
             <a:pPr lvl="1"/>
             <a:r>
-              <a:rPr lang="en-US" smtClean="0"/>
+              <a:rPr lang="en-US"/>
               <a:t>Second level</a:t>
             </a:r>
           </a:p>
           <a:p>
             <a:pPr lvl="2"/>
             <a:r>
-              <a:rPr lang="en-US" smtClean="0"/>
+              <a:rPr lang="en-US"/>
               <a:t>Third level</a:t>
             </a:r>
           </a:p>
           <a:p>
             <a:pPr lvl="3"/>
             <a:r>
-              <a:rPr lang="en-US" smtClean="0"/>
+              <a:rPr lang="en-US"/>
               <a:t>Fourth level</a:t>
             </a:r>
           </a:p>
           <a:p>
             <a:pPr lvl="4"/>
             <a:r>
-              <a:rPr lang="en-US" smtClean="0"/>
+              <a:rPr lang="en-US"/>
               <a:t>Fifth level</a:t>
             </a:r>
             <a:endParaRPr lang="en-SG"/>
@@ -1290,35 +1306,35 @@
           <a:p>
             <a:pPr lvl="0"/>
             <a:r>
-              <a:rPr lang="en-US" smtClean="0"/>
+              <a:rPr lang="en-US"/>
               <a:t>Click to edit Master text styles</a:t>
             </a:r>
           </a:p>
           <a:p>
             <a:pPr lvl="1"/>
             <a:r>
-              <a:rPr lang="en-US" smtClean="0"/>
+              <a:rPr lang="en-US"/>
               <a:t>Second level</a:t>
             </a:r>
           </a:p>
           <a:p>
             <a:pPr lvl="2"/>
             <a:r>
-              <a:rPr lang="en-US" smtClean="0"/>
+              <a:rPr lang="en-US"/>
               <a:t>Third level</a:t>
             </a:r>
           </a:p>
           <a:p>
             <a:pPr lvl="3"/>
             <a:r>
-              <a:rPr lang="en-US" smtClean="0"/>
+              <a:rPr lang="en-US"/>
               <a:t>Fourth level</a:t>
             </a:r>
           </a:p>
           <a:p>
             <a:pPr lvl="4"/>
             <a:r>
-              <a:rPr lang="en-US" smtClean="0"/>
+              <a:rPr lang="en-US"/>
               <a:t>Fifth level</a:t>
             </a:r>
             <a:endParaRPr lang="en-SG"/>
@@ -1342,7 +1358,7 @@
           <a:p>
             <a:fld id="{A8886CD7-4058-4E48-B9C4-9EA782D336AA}" type="datetimeFigureOut">
               <a:rPr lang="en-SG" smtClean="0"/>
-              <a:t>14/7/2017</a:t>
+              <a:t>29/7/2024</a:t>
             </a:fld>
             <a:endParaRPr lang="en-SG"/>
           </a:p>
@@ -1440,7 +1456,7 @@
           </a:lstStyle>
           <a:p>
             <a:r>
-              <a:rPr lang="en-US" smtClean="0"/>
+              <a:rPr lang="en-US"/>
               <a:t>Click to edit Master title style</a:t>
             </a:r>
             <a:endParaRPr lang="en-SG"/>
@@ -1506,7 +1522,7 @@
           <a:p>
             <a:pPr lvl="0"/>
             <a:r>
-              <a:rPr lang="en-US" smtClean="0"/>
+              <a:rPr lang="en-US"/>
               <a:t>Click to edit Master text styles</a:t>
             </a:r>
           </a:p>
@@ -1562,35 +1578,35 @@
           <a:p>
             <a:pPr lvl="0"/>
             <a:r>
-              <a:rPr lang="en-US" smtClean="0"/>
+              <a:rPr lang="en-US"/>
               <a:t>Click to edit Master text styles</a:t>
             </a:r>
           </a:p>
           <a:p>
             <a:pPr lvl="1"/>
             <a:r>
-              <a:rPr lang="en-US" smtClean="0"/>
+              <a:rPr lang="en-US"/>
               <a:t>Second level</a:t>
             </a:r>
           </a:p>
           <a:p>
             <a:pPr lvl="2"/>
             <a:r>
-              <a:rPr lang="en-US" smtClean="0"/>
+              <a:rPr lang="en-US"/>
               <a:t>Third level</a:t>
             </a:r>
           </a:p>
           <a:p>
             <a:pPr lvl="3"/>
             <a:r>
-              <a:rPr lang="en-US" smtClean="0"/>
+              <a:rPr lang="en-US"/>
               <a:t>Fourth level</a:t>
             </a:r>
           </a:p>
           <a:p>
             <a:pPr lvl="4"/>
             <a:r>
-              <a:rPr lang="en-US" smtClean="0"/>
+              <a:rPr lang="en-US"/>
               <a:t>Fifth level</a:t>
             </a:r>
             <a:endParaRPr lang="en-SG"/>
@@ -1656,7 +1672,7 @@
           <a:p>
             <a:pPr lvl="0"/>
             <a:r>
-              <a:rPr lang="en-US" smtClean="0"/>
+              <a:rPr lang="en-US"/>
               <a:t>Click to edit Master text styles</a:t>
             </a:r>
           </a:p>
@@ -1712,35 +1728,35 @@
           <a:p>
             <a:pPr lvl="0"/>
             <a:r>
-              <a:rPr lang="en-US" smtClean="0"/>
+              <a:rPr lang="en-US"/>
               <a:t>Click to edit Master text styles</a:t>
             </a:r>
           </a:p>
           <a:p>
             <a:pPr lvl="1"/>
             <a:r>
-              <a:rPr lang="en-US" smtClean="0"/>
+              <a:rPr lang="en-US"/>
               <a:t>Second level</a:t>
             </a:r>
           </a:p>
           <a:p>
             <a:pPr lvl="2"/>
             <a:r>
-              <a:rPr lang="en-US" smtClean="0"/>
+              <a:rPr lang="en-US"/>
               <a:t>Third level</a:t>
             </a:r>
           </a:p>
           <a:p>
             <a:pPr lvl="3"/>
             <a:r>
-              <a:rPr lang="en-US" smtClean="0"/>
+              <a:rPr lang="en-US"/>
               <a:t>Fourth level</a:t>
             </a:r>
           </a:p>
           <a:p>
             <a:pPr lvl="4"/>
             <a:r>
-              <a:rPr lang="en-US" smtClean="0"/>
+              <a:rPr lang="en-US"/>
               <a:t>Fifth level</a:t>
             </a:r>
             <a:endParaRPr lang="en-SG"/>
@@ -1764,7 +1780,7 @@
           <a:p>
             <a:fld id="{A8886CD7-4058-4E48-B9C4-9EA782D336AA}" type="datetimeFigureOut">
               <a:rPr lang="en-SG" smtClean="0"/>
-              <a:t>14/7/2017</a:t>
+              <a:t>29/7/2024</a:t>
             </a:fld>
             <a:endParaRPr lang="en-SG"/>
           </a:p>
@@ -1858,7 +1874,7 @@
           <a:lstStyle/>
           <a:p>
             <a:r>
-              <a:rPr lang="en-US" smtClean="0"/>
+              <a:rPr lang="en-US"/>
               <a:t>Click to edit Master title style</a:t>
             </a:r>
             <a:endParaRPr lang="en-SG"/>
@@ -1882,7 +1898,7 @@
           <a:p>
             <a:fld id="{A8886CD7-4058-4E48-B9C4-9EA782D336AA}" type="datetimeFigureOut">
               <a:rPr lang="en-SG" smtClean="0"/>
-              <a:t>14/7/2017</a:t>
+              <a:t>29/7/2024</a:t>
             </a:fld>
             <a:endParaRPr lang="en-SG"/>
           </a:p>
@@ -1977,7 +1993,7 @@
           <a:p>
             <a:fld id="{A8886CD7-4058-4E48-B9C4-9EA782D336AA}" type="datetimeFigureOut">
               <a:rPr lang="en-SG" smtClean="0"/>
-              <a:t>14/7/2017</a:t>
+              <a:t>29/7/2024</a:t>
             </a:fld>
             <a:endParaRPr lang="en-SG"/>
           </a:p>
@@ -2080,7 +2096,7 @@
           </a:lstStyle>
           <a:p>
             <a:r>
-              <a:rPr lang="en-US" smtClean="0"/>
+              <a:rPr lang="en-US"/>
               <a:t>Click to edit Master title style</a:t>
             </a:r>
             <a:endParaRPr lang="en-SG"/>
@@ -2137,35 +2153,35 @@
           <a:p>
             <a:pPr lvl="0"/>
             <a:r>
-              <a:rPr lang="en-US" smtClean="0"/>
+              <a:rPr lang="en-US"/>
               <a:t>Click to edit Master text styles</a:t>
             </a:r>
           </a:p>
           <a:p>
             <a:pPr lvl="1"/>
             <a:r>
-              <a:rPr lang="en-US" smtClean="0"/>
+              <a:rPr lang="en-US"/>
               <a:t>Second level</a:t>
             </a:r>
           </a:p>
           <a:p>
             <a:pPr lvl="2"/>
             <a:r>
-              <a:rPr lang="en-US" smtClean="0"/>
+              <a:rPr lang="en-US"/>
               <a:t>Third level</a:t>
             </a:r>
           </a:p>
           <a:p>
             <a:pPr lvl="3"/>
             <a:r>
-              <a:rPr lang="en-US" smtClean="0"/>
+              <a:rPr lang="en-US"/>
               <a:t>Fourth level</a:t>
             </a:r>
           </a:p>
           <a:p>
             <a:pPr lvl="4"/>
             <a:r>
-              <a:rPr lang="en-US" smtClean="0"/>
+              <a:rPr lang="en-US"/>
               <a:t>Fifth level</a:t>
             </a:r>
             <a:endParaRPr lang="en-SG"/>
@@ -2231,7 +2247,7 @@
           <a:p>
             <a:pPr lvl="0"/>
             <a:r>
-              <a:rPr lang="en-US" smtClean="0"/>
+              <a:rPr lang="en-US"/>
               <a:t>Click to edit Master text styles</a:t>
             </a:r>
           </a:p>
@@ -2254,7 +2270,7 @@
           <a:p>
             <a:fld id="{A8886CD7-4058-4E48-B9C4-9EA782D336AA}" type="datetimeFigureOut">
               <a:rPr lang="en-SG" smtClean="0"/>
-              <a:t>14/7/2017</a:t>
+              <a:t>29/7/2024</a:t>
             </a:fld>
             <a:endParaRPr lang="en-SG"/>
           </a:p>
@@ -2357,7 +2373,7 @@
           </a:lstStyle>
           <a:p>
             <a:r>
-              <a:rPr lang="en-US" smtClean="0"/>
+              <a:rPr lang="en-US"/>
               <a:t>Click to edit Master title style</a:t>
             </a:r>
             <a:endParaRPr lang="en-SG"/>
@@ -2484,7 +2500,7 @@
           <a:p>
             <a:pPr lvl="0"/>
             <a:r>
-              <a:rPr lang="en-US" smtClean="0"/>
+              <a:rPr lang="en-US"/>
               <a:t>Click to edit Master text styles</a:t>
             </a:r>
           </a:p>
@@ -2507,7 +2523,7 @@
           <a:p>
             <a:fld id="{A8886CD7-4058-4E48-B9C4-9EA782D336AA}" type="datetimeFigureOut">
               <a:rPr lang="en-SG" smtClean="0"/>
-              <a:t>14/7/2017</a:t>
+              <a:t>29/7/2024</a:t>
             </a:fld>
             <a:endParaRPr lang="en-SG"/>
           </a:p>
@@ -2616,7 +2632,7 @@
           <a:lstStyle/>
           <a:p>
             <a:r>
-              <a:rPr lang="en-US" smtClean="0"/>
+              <a:rPr lang="en-US"/>
               <a:t>Click to edit Master title style</a:t>
             </a:r>
             <a:endParaRPr lang="en-SG"/>
@@ -2650,35 +2666,35 @@
           <a:p>
             <a:pPr lvl="0"/>
             <a:r>
-              <a:rPr lang="en-US" smtClean="0"/>
+              <a:rPr lang="en-US"/>
               <a:t>Click to edit Master text styles</a:t>
             </a:r>
           </a:p>
           <a:p>
             <a:pPr lvl="1"/>
             <a:r>
-              <a:rPr lang="en-US" smtClean="0"/>
+              <a:rPr lang="en-US"/>
               <a:t>Second level</a:t>
             </a:r>
           </a:p>
           <a:p>
             <a:pPr lvl="2"/>
             <a:r>
-              <a:rPr lang="en-US" smtClean="0"/>
+              <a:rPr lang="en-US"/>
               <a:t>Third level</a:t>
             </a:r>
           </a:p>
           <a:p>
             <a:pPr lvl="3"/>
             <a:r>
-              <a:rPr lang="en-US" smtClean="0"/>
+              <a:rPr lang="en-US"/>
               <a:t>Fourth level</a:t>
             </a:r>
           </a:p>
           <a:p>
             <a:pPr lvl="4"/>
             <a:r>
-              <a:rPr lang="en-US" smtClean="0"/>
+              <a:rPr lang="en-US"/>
               <a:t>Fifth level</a:t>
             </a:r>
             <a:endParaRPr lang="en-SG"/>
@@ -2720,7 +2736,7 @@
           <a:p>
             <a:fld id="{A8886CD7-4058-4E48-B9C4-9EA782D336AA}" type="datetimeFigureOut">
               <a:rPr lang="en-SG" smtClean="0"/>
-              <a:t>14/7/2017</a:t>
+              <a:t>29/7/2024</a:t>
             </a:fld>
             <a:endParaRPr lang="en-SG"/>
           </a:p>
@@ -3104,14 +3120,22 @@
           <p:nvPr/>
         </p:nvPicPr>
         <p:blipFill>
-          <a:blip r:embed="rId2" cstate="print"/>
+          <a:blip r:embed="rId2" cstate="print">
+            <a:duotone>
+              <a:schemeClr val="bg2">
+                <a:shade val="45000"/>
+                <a:satMod val="135000"/>
+              </a:schemeClr>
+              <a:prstClr val="white"/>
+            </a:duotone>
+          </a:blip>
           <a:stretch>
             <a:fillRect/>
           </a:stretch>
         </p:blipFill>
         <p:spPr>
           <a:xfrm>
-            <a:off x="2743200" y="2484437"/>
+            <a:off x="2761986" y="2449550"/>
             <a:ext cx="887317" cy="944563"/>
           </a:xfrm>
           <a:prstGeom prst="rect">
@@ -3128,14 +3152,22 @@
           <p:nvPr/>
         </p:nvPicPr>
         <p:blipFill>
-          <a:blip r:embed="rId2" cstate="print"/>
+          <a:blip r:embed="rId2" cstate="print">
+            <a:duotone>
+              <a:schemeClr val="bg2">
+                <a:shade val="45000"/>
+                <a:satMod val="135000"/>
+              </a:schemeClr>
+              <a:prstClr val="white"/>
+            </a:duotone>
+          </a:blip>
           <a:stretch>
             <a:fillRect/>
           </a:stretch>
         </p:blipFill>
         <p:spPr>
           <a:xfrm>
-            <a:off x="2998883" y="5532437"/>
+            <a:off x="3038730" y="5140721"/>
             <a:ext cx="887317" cy="944563"/>
           </a:xfrm>
           <a:prstGeom prst="rect">
@@ -3152,7 +3184,15 @@
           <p:nvPr/>
         </p:nvPicPr>
         <p:blipFill>
-          <a:blip r:embed="rId2" cstate="print"/>
+          <a:blip r:embed="rId2" cstate="print">
+            <a:duotone>
+              <a:schemeClr val="bg2">
+                <a:shade val="45000"/>
+                <a:satMod val="135000"/>
+              </a:schemeClr>
+              <a:prstClr val="white"/>
+            </a:duotone>
+          </a:blip>
           <a:stretch>
             <a:fillRect/>
           </a:stretch>
@@ -3175,8 +3215,8 @@
         </p:nvSpPr>
         <p:spPr>
           <a:xfrm>
-            <a:off x="2330190" y="1356779"/>
-            <a:ext cx="1186542" cy="1578102"/>
+            <a:off x="2352593" y="1473632"/>
+            <a:ext cx="1186542" cy="1255737"/>
           </a:xfrm>
           <a:prstGeom prst="can">
             <a:avLst/>
@@ -3202,7 +3242,7 @@
           <a:p>
             <a:pPr algn="ctr"/>
             <a:r>
-              <a:rPr lang="en-US" dirty="0" smtClean="0"/>
+              <a:rPr lang="en-US" dirty="0"/>
               <a:t>Member B’s Local Repo</a:t>
             </a:r>
           </a:p>
@@ -3216,8 +3256,8 @@
         </p:nvSpPr>
         <p:spPr>
           <a:xfrm>
-            <a:off x="2406390" y="4432441"/>
-            <a:ext cx="1186542" cy="1578102"/>
+            <a:off x="2428793" y="4549294"/>
+            <a:ext cx="1186542" cy="1255737"/>
           </a:xfrm>
           <a:prstGeom prst="can">
             <a:avLst/>
@@ -3243,7 +3283,7 @@
           <a:p>
             <a:pPr algn="ctr"/>
             <a:r>
-              <a:rPr lang="en-US" dirty="0" smtClean="0"/>
+              <a:rPr lang="en-US" dirty="0"/>
               <a:t>Member A’s Local Repo</a:t>
             </a:r>
           </a:p>
@@ -3253,14 +3293,15 @@
         <p:nvCxnSpPr>
           <p:cNvPr id="23" name="Straight Arrow Connector 22"/>
           <p:cNvCxnSpPr>
+            <a:cxnSpLocks/>
             <a:endCxn id="21" idx="2"/>
           </p:cNvCxnSpPr>
           <p:nvPr/>
         </p:nvCxnSpPr>
         <p:spPr>
           <a:xfrm>
-            <a:off x="1843336" y="2129819"/>
-            <a:ext cx="486854" cy="16011"/>
+            <a:off x="1732969" y="2101501"/>
+            <a:ext cx="619624" cy="0"/>
           </a:xfrm>
           <a:prstGeom prst="straightConnector1">
             <a:avLst/>
@@ -3294,7 +3335,15 @@
           <p:nvPr/>
         </p:nvPicPr>
         <p:blipFill>
-          <a:blip r:embed="rId2" cstate="print"/>
+          <a:blip r:embed="rId2" cstate="print">
+            <a:duotone>
+              <a:schemeClr val="bg2">
+                <a:shade val="45000"/>
+                <a:satMod val="135000"/>
+              </a:schemeClr>
+              <a:prstClr val="white"/>
+            </a:duotone>
+          </a:blip>
           <a:stretch>
             <a:fillRect/>
           </a:stretch>
@@ -3317,8 +3366,8 @@
         </p:nvSpPr>
         <p:spPr>
           <a:xfrm>
-            <a:off x="6597390" y="4628252"/>
-            <a:ext cx="909259" cy="1209315"/>
+            <a:off x="6597390" y="4596882"/>
+            <a:ext cx="1186542" cy="1240685"/>
           </a:xfrm>
           <a:prstGeom prst="can">
             <a:avLst/>
@@ -3344,7 +3393,7 @@
           <a:p>
             <a:pPr algn="ctr"/>
             <a:r>
-              <a:rPr lang="en-US" sz="1400" dirty="0" smtClean="0"/>
+              <a:rPr lang="en-US" dirty="0"/>
               <a:t>Member A’s remote Repo</a:t>
             </a:r>
           </a:p>
@@ -3354,15 +3403,14 @@
         <p:nvCxnSpPr>
           <p:cNvPr id="26" name="Straight Arrow Connector 25"/>
           <p:cNvCxnSpPr>
-            <a:stCxn id="22" idx="4"/>
-            <a:endCxn id="29" idx="3"/>
+            <a:cxnSpLocks/>
           </p:cNvCxnSpPr>
           <p:nvPr/>
         </p:nvCxnSpPr>
         <p:spPr>
           <a:xfrm flipV="1">
-            <a:off x="3592932" y="2735139"/>
-            <a:ext cx="3382888" cy="2486353"/>
+            <a:off x="3683271" y="2866116"/>
+            <a:ext cx="3054341" cy="2293199"/>
           </a:xfrm>
           <a:prstGeom prst="straightConnector1">
             <a:avLst/>
@@ -3390,13 +3438,15 @@
       <p:cxnSp>
         <p:nvCxnSpPr>
           <p:cNvPr id="27" name="Straight Arrow Connector 26"/>
-          <p:cNvCxnSpPr/>
+          <p:cNvCxnSpPr>
+            <a:cxnSpLocks/>
+          </p:cNvCxnSpPr>
           <p:nvPr/>
         </p:nvCxnSpPr>
         <p:spPr>
           <a:xfrm>
-            <a:off x="3635896" y="5397800"/>
-            <a:ext cx="3004458" cy="11418"/>
+            <a:off x="3712096" y="5358265"/>
+            <a:ext cx="2766130" cy="106641"/>
           </a:xfrm>
           <a:prstGeom prst="straightConnector1">
             <a:avLst/>
@@ -3424,14 +3474,14 @@
         <p:nvCxnSpPr>
           <p:cNvPr id="28" name="Straight Arrow Connector 27"/>
           <p:cNvCxnSpPr>
-            <a:endCxn id="22" idx="2"/>
+            <a:cxnSpLocks/>
           </p:cNvCxnSpPr>
           <p:nvPr/>
         </p:nvCxnSpPr>
         <p:spPr>
-          <a:xfrm flipV="1">
-            <a:off x="1843336" y="5221492"/>
-            <a:ext cx="563054" cy="32"/>
+          <a:xfrm>
+            <a:off x="1754700" y="5159315"/>
+            <a:ext cx="597893" cy="0"/>
           </a:xfrm>
           <a:prstGeom prst="straightConnector1">
             <a:avLst/>
@@ -3443,13 +3493,13 @@
         </p:spPr>
         <p:style>
           <a:lnRef idx="1">
-            <a:schemeClr val="accent2"/>
+            <a:schemeClr val="accent3"/>
           </a:lnRef>
           <a:fillRef idx="0">
-            <a:schemeClr val="accent2"/>
+            <a:schemeClr val="accent3"/>
           </a:fillRef>
           <a:effectRef idx="0">
-            <a:schemeClr val="accent2"/>
+            <a:schemeClr val="accent3"/>
           </a:effectRef>
           <a:fontRef idx="minor">
             <a:schemeClr val="tx1"/>
@@ -3464,8 +3514,8 @@
         </p:nvSpPr>
         <p:spPr>
           <a:xfrm>
-            <a:off x="6521190" y="1525824"/>
-            <a:ext cx="909259" cy="1209315"/>
+            <a:off x="6521190" y="1494454"/>
+            <a:ext cx="1186542" cy="1240685"/>
           </a:xfrm>
           <a:prstGeom prst="can">
             <a:avLst/>
@@ -3491,7 +3541,7 @@
           <a:p>
             <a:pPr algn="ctr"/>
             <a:r>
-              <a:rPr lang="en-US" sz="1400" dirty="0" smtClean="0"/>
+              <a:rPr lang="en-US" dirty="0"/>
               <a:t>Member B’s remote Repo</a:t>
             </a:r>
           </a:p>
@@ -3501,15 +3551,14 @@
         <p:nvCxnSpPr>
           <p:cNvPr id="30" name="Straight Arrow Connector 29"/>
           <p:cNvCxnSpPr>
-            <a:stCxn id="21" idx="4"/>
-            <a:endCxn id="25" idx="2"/>
+            <a:cxnSpLocks/>
           </p:cNvCxnSpPr>
           <p:nvPr/>
         </p:nvCxnSpPr>
         <p:spPr>
           <a:xfrm>
-            <a:off x="3516732" y="2145829"/>
-            <a:ext cx="3080658" cy="3087080"/>
+            <a:off x="3569486" y="2257661"/>
+            <a:ext cx="2908740" cy="2873828"/>
           </a:xfrm>
           <a:prstGeom prst="straightConnector1">
             <a:avLst/>
@@ -3537,13 +3586,15 @@
       <p:cxnSp>
         <p:nvCxnSpPr>
           <p:cNvPr id="31" name="Straight Arrow Connector 30"/>
-          <p:cNvCxnSpPr/>
+          <p:cNvCxnSpPr>
+            <a:cxnSpLocks/>
+          </p:cNvCxnSpPr>
           <p:nvPr/>
         </p:nvCxnSpPr>
         <p:spPr>
           <a:xfrm>
-            <a:off x="3511758" y="2064535"/>
-            <a:ext cx="3004458" cy="663"/>
+            <a:off x="3630517" y="2014853"/>
+            <a:ext cx="2885699" cy="50345"/>
           </a:xfrm>
           <a:prstGeom prst="straightConnector1">
             <a:avLst/>
@@ -3671,10 +3722,9 @@
           <a:lstStyle/>
           <a:p>
             <a:r>
-              <a:rPr lang="en-US" dirty="0" smtClean="0"/>
+              <a:rPr lang="en-US" dirty="0"/>
               <a:t>Member B</a:t>
             </a:r>
-            <a:endParaRPr lang="en-US" dirty="0"/>
           </a:p>
         </p:txBody>
       </p:sp>
@@ -3701,10 +3751,9 @@
           <a:lstStyle/>
           <a:p>
             <a:r>
-              <a:rPr lang="en-US" dirty="0" smtClean="0"/>
+              <a:rPr lang="en-US" dirty="0"/>
               <a:t>Member A</a:t>
             </a:r>
-            <a:endParaRPr lang="en-US" dirty="0"/>
           </a:p>
         </p:txBody>
       </p:sp>
